--- a/OSu/Chap08.pptx
+++ b/OSu/Chap08.pptx
@@ -16283,7 +16283,23 @@
             <a:pPr lvl="1"/>
             <a:r>
               <a:rPr lang="en-US" altLang="en-US" sz="2400" dirty="0"/>
-              <a:t>Require process to request and be allocated all its resources before it begins execution, or allow process to request resources only when the process has none allocated to </a:t>
+              <a:t>Require process to request and be allocated all its resources before </a:t>
+            </a:r>
+            <a:r>
+              <a:rPr lang="en-US" altLang="en-US" sz="2400" dirty="0" smtClean="0"/>
+              <a:t>execution</a:t>
+            </a:r>
+            <a:r>
+              <a:rPr lang="en-US" altLang="en-US" sz="2400" dirty="0"/>
+              <a:t>, or </a:t>
+            </a:r>
+            <a:r>
+              <a:rPr lang="en-US" altLang="en-US" sz="2400" dirty="0" smtClean="0"/>
+              <a:t>only </a:t>
+            </a:r>
+            <a:r>
+              <a:rPr lang="en-US" altLang="en-US" sz="2400" dirty="0"/>
+              <a:t>when the process has none allocated to </a:t>
             </a:r>
             <a:r>
               <a:rPr lang="en-US" altLang="en-US" sz="2400" dirty="0" smtClean="0"/>
@@ -23709,7 +23725,15 @@
             </a:r>
             <a:r>
               <a:rPr lang="en-US" altLang="en-US" sz="2400" dirty="0"/>
-              <a:t>each process.  If </a:t>
+              <a:t>each process.  </a:t>
+            </a:r>
+            <a:endParaRPr lang="en-US" altLang="en-US" sz="2400" dirty="0" smtClean="0"/>
+          </a:p>
+          <a:p>
+            <a:pPr lvl="1"/>
+            <a:r>
+              <a:rPr lang="en-US" altLang="en-US" sz="2400" dirty="0" smtClean="0"/>
+              <a:t>If </a:t>
             </a:r>
             <a:r>
               <a:rPr lang="en-US" altLang="en-US" sz="2400" b="1" i="1" dirty="0"/>

--- a/OSu/Chap08.pptx
+++ b/OSu/Chap08.pptx
@@ -441,6 +441,11 @@
         </p:txBody>
       </p:sp>
     </p:spTree>
+    <p:extLst>
+      <p:ext uri="{BB962C8B-B14F-4D97-AF65-F5344CB8AC3E}">
+        <p14:creationId xmlns:p14="http://schemas.microsoft.com/office/powerpoint/2010/main" val="1"/>
+      </p:ext>
+    </p:extLst>
   </p:cSld>
   <p:clrMap bg1="lt1" tx1="dk1" bg2="lt2" tx2="dk2" accent1="accent1" accent2="accent2" accent3="accent3" accent4="accent4" accent5="accent5" accent6="accent6" hlink="hlink" folHlink="folHlink"/>
 </p:handoutMaster>
@@ -16165,13 +16170,8 @@
           <a:p>
             <a:r>
               <a:rPr lang="en-US" altLang="en-US" sz="2400" dirty="0"/>
-              <a:t>Ignore the problem and pretend that deadlocks never occur in the </a:t>
-            </a:r>
-            <a:r>
-              <a:rPr lang="en-US" altLang="en-US" sz="2400" dirty="0" smtClean="0"/>
-              <a:t>system</a:t>
-            </a:r>
-            <a:endParaRPr lang="en-US" altLang="en-US" sz="2400" dirty="0"/>
+              <a:t>Ignore the problem and pretend that deadlocks never occur in the system</a:t>
+            </a:r>
           </a:p>
         </p:txBody>
       </p:sp>
@@ -16283,29 +16283,20 @@
             <a:pPr lvl="1"/>
             <a:r>
               <a:rPr lang="en-US" altLang="en-US" sz="2400" dirty="0"/>
-              <a:t>Require process to request and be allocated all its resources before </a:t>
-            </a:r>
-            <a:r>
-              <a:rPr lang="en-US" altLang="en-US" sz="2400" dirty="0" smtClean="0"/>
-              <a:t>execution</a:t>
+              <a:t>Require process to request and be allocated all its resources </a:t>
+            </a:r>
+            <a:r>
+              <a:rPr lang="en-US" altLang="en-US" sz="2400" dirty="0">
+                <a:solidFill>
+                  <a:srgbClr val="0000FF"/>
+                </a:solidFill>
+              </a:rPr>
+              <a:t>before</a:t>
             </a:r>
             <a:r>
               <a:rPr lang="en-US" altLang="en-US" sz="2400" dirty="0"/>
-              <a:t>, or </a:t>
-            </a:r>
-            <a:r>
-              <a:rPr lang="en-US" altLang="en-US" sz="2400" dirty="0" smtClean="0"/>
-              <a:t>only </a:t>
-            </a:r>
-            <a:r>
-              <a:rPr lang="en-US" altLang="en-US" sz="2400" dirty="0"/>
-              <a:t>when the process has none allocated to </a:t>
-            </a:r>
-            <a:r>
-              <a:rPr lang="en-US" altLang="en-US" sz="2400" dirty="0" smtClean="0"/>
-              <a:t>it</a:t>
-            </a:r>
-            <a:endParaRPr lang="en-US" altLang="en-US" sz="2400" dirty="0"/>
+              <a:t> execution, or only when the process has none allocated to it</a:t>
+            </a:r>
           </a:p>
           <a:p>
             <a:pPr lvl="1"/>
@@ -16548,7 +16539,7 @@
               <a:buNone/>
             </a:pPr>
             <a:r>
-              <a:rPr kumimoji="0" lang="en-US" altLang="en-US" sz="2400" dirty="0" smtClean="0">
+              <a:rPr kumimoji="0" lang="en-US" altLang="en-US" sz="2400" dirty="0">
                 <a:solidFill>
                   <a:srgbClr val="0000FF"/>
                 </a:solidFill>
@@ -16556,12 +16547,8 @@
               <a:t>To invalidate</a:t>
             </a:r>
             <a:r>
-              <a:rPr kumimoji="0" lang="en-US" altLang="en-US" sz="2400" dirty="0" smtClean="0"/>
-              <a:t> </a:t>
-            </a:r>
-            <a:r>
               <a:rPr kumimoji="0" lang="en-US" altLang="en-US" sz="2400" dirty="0"/>
-              <a:t>one of the four necessary conditions for deadlock:</a:t>
+              <a:t> one of the four necessary conditions for deadlock:</a:t>
             </a:r>
           </a:p>
         </p:txBody>
@@ -16793,24 +16780,14 @@
           <a:p>
             <a:r>
               <a:rPr lang="en-US" altLang="en-US" sz="2000" dirty="0"/>
-              <a:t>Invalidating the circular wait condition is most </a:t>
-            </a:r>
-            <a:r>
-              <a:rPr lang="en-US" altLang="en-US" sz="2000" dirty="0" smtClean="0"/>
-              <a:t>common</a:t>
-            </a:r>
-            <a:endParaRPr lang="en-US" altLang="en-US" sz="2000" dirty="0"/>
+              <a:t>Invalidating the circular wait condition is most common</a:t>
+            </a:r>
           </a:p>
           <a:p>
             <a:r>
               <a:rPr lang="en-US" altLang="en-US" sz="2000" dirty="0"/>
-              <a:t>Simply assign each resource (i.e., mutex locks) a unique </a:t>
-            </a:r>
-            <a:r>
-              <a:rPr lang="en-US" altLang="en-US" sz="2000" dirty="0" smtClean="0"/>
-              <a:t>number</a:t>
-            </a:r>
-            <a:endParaRPr lang="en-US" altLang="en-US" sz="2000" dirty="0"/>
+              <a:t>Simply assign each resource (i.e., mutex locks) a unique number</a:t>
+            </a:r>
           </a:p>
           <a:p>
             <a:r>
@@ -16819,15 +16796,7 @@
                   <a:srgbClr val="0000FF"/>
                 </a:solidFill>
               </a:rPr>
-              <a:t>Resources must be acquired in </a:t>
-            </a:r>
-            <a:r>
-              <a:rPr lang="en-US" altLang="en-US" sz="2000" dirty="0" smtClean="0">
-                <a:solidFill>
-                  <a:srgbClr val="0000FF"/>
-                </a:solidFill>
-              </a:rPr>
-              <a:t>order</a:t>
+              <a:t>Resources must be acquired in order</a:t>
             </a:r>
             <a:endParaRPr lang="en-US" altLang="en-US" sz="2000" dirty="0"/>
           </a:p>
@@ -16839,26 +16808,42 @@
             <a:br>
               <a:rPr lang="en-US" altLang="en-US" sz="2000" dirty="0"/>
             </a:br>
-            <a:r>
-              <a:rPr lang="en-US" altLang="en-US" sz="2000" dirty="0"/>
-              <a:t/>
-            </a:r>
             <a:br>
               <a:rPr lang="en-US" altLang="en-US" sz="2000" dirty="0"/>
             </a:br>
             <a:r>
-              <a:rPr lang="en-US" altLang="en-US" sz="2000" b="1" dirty="0" err="1">
+              <a:rPr lang="en-US" altLang="en-US" sz="2000" dirty="0" err="1">
                 <a:latin typeface="Courier New" panose="02070309020205020404" pitchFamily="49" charset="0"/>
                 <a:cs typeface="Courier New" panose="02070309020205020404" pitchFamily="49" charset="0"/>
               </a:rPr>
               <a:t>first_mutex</a:t>
             </a:r>
             <a:r>
-              <a:rPr lang="en-US" altLang="en-US" sz="2000" b="1" dirty="0">
+              <a:rPr lang="en-US" altLang="en-US" sz="2000" dirty="0">
                 <a:latin typeface="Courier New" panose="02070309020205020404" pitchFamily="49" charset="0"/>
                 <a:cs typeface="Courier New" panose="02070309020205020404" pitchFamily="49" charset="0"/>
               </a:rPr>
               <a:t> = 1</a:t>
+            </a:r>
+            <a:br>
+              <a:rPr lang="en-US" altLang="en-US" sz="2000" dirty="0">
+                <a:latin typeface="Courier New" panose="02070309020205020404" pitchFamily="49" charset="0"/>
+                <a:cs typeface="Courier New" panose="02070309020205020404" pitchFamily="49" charset="0"/>
+              </a:rPr>
+            </a:br>
+            <a:r>
+              <a:rPr lang="en-US" altLang="en-US" sz="2000" dirty="0" err="1">
+                <a:latin typeface="Courier New" panose="02070309020205020404" pitchFamily="49" charset="0"/>
+                <a:cs typeface="Courier New" panose="02070309020205020404" pitchFamily="49" charset="0"/>
+              </a:rPr>
+              <a:t>second_mutex</a:t>
+            </a:r>
+            <a:r>
+              <a:rPr lang="en-US" altLang="en-US" sz="2000" dirty="0">
+                <a:latin typeface="Courier New" panose="02070309020205020404" pitchFamily="49" charset="0"/>
+                <a:cs typeface="Courier New" panose="02070309020205020404" pitchFamily="49" charset="0"/>
+              </a:rPr>
+              <a:t> = 5</a:t>
             </a:r>
             <a:br>
               <a:rPr lang="en-US" altLang="en-US" sz="2000" b="1" dirty="0">
@@ -16866,30 +16851,6 @@
                 <a:cs typeface="Courier New" panose="02070309020205020404" pitchFamily="49" charset="0"/>
               </a:rPr>
             </a:br>
-            <a:r>
-              <a:rPr lang="en-US" altLang="en-US" sz="2000" b="1" dirty="0" err="1">
-                <a:latin typeface="Courier New" panose="02070309020205020404" pitchFamily="49" charset="0"/>
-                <a:cs typeface="Courier New" panose="02070309020205020404" pitchFamily="49" charset="0"/>
-              </a:rPr>
-              <a:t>second_mutex</a:t>
-            </a:r>
-            <a:r>
-              <a:rPr lang="en-US" altLang="en-US" sz="2000" b="1" dirty="0">
-                <a:latin typeface="Courier New" panose="02070309020205020404" pitchFamily="49" charset="0"/>
-                <a:cs typeface="Courier New" panose="02070309020205020404" pitchFamily="49" charset="0"/>
-              </a:rPr>
-              <a:t> = 5</a:t>
-            </a:r>
-            <a:br>
-              <a:rPr lang="en-US" altLang="en-US" sz="2000" b="1" dirty="0">
-                <a:latin typeface="Courier New" panose="02070309020205020404" pitchFamily="49" charset="0"/>
-                <a:cs typeface="Courier New" panose="02070309020205020404" pitchFamily="49" charset="0"/>
-              </a:rPr>
-            </a:br>
-            <a:r>
-              <a:rPr lang="en-US" altLang="en-US" sz="2000" dirty="0"/>
-              <a:t/>
-            </a:r>
             <a:br>
               <a:rPr lang="en-US" altLang="en-US" sz="2000" dirty="0"/>
             </a:br>
@@ -17098,15 +17059,7 @@
           <a:p>
             <a:r>
               <a:rPr lang="en-US" altLang="en-US" sz="2400" dirty="0"/>
-              <a:t>Simplest and most useful model requires that each process </a:t>
-            </a:r>
-            <a:r>
-              <a:rPr lang="en-US" altLang="en-US" sz="2400" dirty="0" smtClean="0"/>
-              <a:t>declares </a:t>
-            </a:r>
-            <a:r>
-              <a:rPr lang="en-US" altLang="en-US" sz="2400" dirty="0"/>
-              <a:t>the </a:t>
+              <a:t>Simplest and most useful model requires that each process declares the </a:t>
             </a:r>
             <a:r>
               <a:rPr lang="en-US" altLang="en-US" sz="2400" b="1" i="1" dirty="0"/>
@@ -17408,13 +17361,8 @@
             </a:r>
             <a:r>
               <a:rPr kumimoji="0" lang="en-US" altLang="en-US" sz="2400" dirty="0"/>
-              <a:t>information </a:t>
-            </a:r>
-            <a:r>
-              <a:rPr kumimoji="0" lang="en-US" altLang="en-US" sz="2400" dirty="0" smtClean="0"/>
-              <a:t>available</a:t>
-            </a:r>
-            <a:endParaRPr kumimoji="0" lang="en-US" altLang="en-US" sz="2400" dirty="0"/>
+              <a:t>information available</a:t>
+            </a:r>
           </a:p>
         </p:txBody>
       </p:sp>
@@ -17556,39 +17504,7 @@
             </a:r>
             <a:r>
               <a:rPr lang="en-US" altLang="en-US" sz="2000" dirty="0"/>
-              <a:t>&gt; of ALL </a:t>
-            </a:r>
-            <a:r>
-              <a:rPr lang="en-US" altLang="en-US" sz="2000" dirty="0" smtClean="0"/>
-              <a:t>the </a:t>
-            </a:r>
-            <a:r>
-              <a:rPr lang="en-US" altLang="en-US" sz="2000" dirty="0"/>
-              <a:t>processes </a:t>
-            </a:r>
-            <a:r>
-              <a:rPr lang="en-US" altLang="en-US" sz="2000" dirty="0" smtClean="0"/>
-              <a:t>in </a:t>
-            </a:r>
-            <a:r>
-              <a:rPr lang="en-US" altLang="en-US" sz="2000" dirty="0"/>
-              <a:t>the </a:t>
-            </a:r>
-            <a:r>
-              <a:rPr lang="en-US" altLang="en-US" sz="2000" dirty="0" smtClean="0"/>
-              <a:t>system </a:t>
-            </a:r>
-            <a:r>
-              <a:rPr lang="en-US" altLang="en-US" sz="2000" dirty="0"/>
-              <a:t>such that </a:t>
-            </a:r>
-            <a:r>
-              <a:rPr lang="en-US" altLang="en-US" sz="2000" dirty="0" smtClean="0"/>
-              <a:t>for </a:t>
-            </a:r>
-            <a:r>
-              <a:rPr lang="en-US" altLang="en-US" sz="2000" dirty="0"/>
-              <a:t>each P</a:t>
+              <a:t>&gt; of ALL the processes in the system such that for each P</a:t>
             </a:r>
             <a:r>
               <a:rPr lang="en-US" altLang="en-US" sz="2000" baseline="-25000" dirty="0"/>
@@ -17604,7 +17520,7 @@
             </a:r>
             <a:r>
               <a:rPr lang="en-US" altLang="en-US" sz="2000" dirty="0"/>
-              <a:t>can still request can be satisfied by currently available resources + resources held by all the </a:t>
+              <a:t>can still request can be satisfied by currently available resources + resources held by all previous </a:t>
             </a:r>
             <a:r>
               <a:rPr lang="en-US" altLang="en-US" sz="2000" i="1" dirty="0" err="1"/>
@@ -17627,7 +17543,7 @@
               <a:t>&lt; </a:t>
             </a:r>
             <a:r>
-              <a:rPr lang="en-US" altLang="en-US" sz="2000" i="1" dirty="0" err="1" smtClean="0"/>
+              <a:rPr lang="en-US" altLang="en-US" sz="2000" i="1" dirty="0" err="1"/>
               <a:t>i</a:t>
             </a:r>
             <a:endParaRPr lang="en-US" altLang="en-US" sz="2000" dirty="0"/>
@@ -17697,11 +17613,7 @@
             </a:r>
             <a:r>
               <a:rPr lang="en-US" altLang="en-US" sz="2000" dirty="0"/>
-              <a:t> </a:t>
-            </a:r>
-            <a:r>
-              <a:rPr lang="en-US" altLang="en-US" sz="2000" dirty="0" smtClean="0"/>
-              <a:t>finishes, </a:t>
+              <a:t> finishes, </a:t>
             </a:r>
             <a:r>
               <a:rPr lang="en-US" altLang="en-US" sz="2000" i="1" dirty="0"/>
@@ -17893,17 +17805,8 @@
               <a:rPr lang="en-US" altLang="en-US" sz="2400" dirty="0">
                 <a:sym typeface="Symbol" panose="05050102010706020507" pitchFamily="18" charset="2"/>
               </a:rPr>
-              <a:t>Avoidance  ensure that a system will never enter an unsafe </a:t>
-            </a:r>
-            <a:r>
-              <a:rPr lang="en-US" altLang="en-US" sz="2400" dirty="0" smtClean="0">
-                <a:sym typeface="Symbol" panose="05050102010706020507" pitchFamily="18" charset="2"/>
-              </a:rPr>
-              <a:t>state</a:t>
-            </a:r>
-            <a:endParaRPr lang="en-US" altLang="en-US" sz="2400" dirty="0">
-              <a:sym typeface="Symbol" panose="05050102010706020507" pitchFamily="18" charset="2"/>
-            </a:endParaRPr>
+              <a:t>Avoidance  ensure that a system will never enter an unsafe state</a:t>
+            </a:r>
           </a:p>
         </p:txBody>
       </p:sp>
@@ -18441,43 +18344,25 @@
               <a:rPr lang="en-US" altLang="en-US" sz="2400" dirty="0">
                 <a:sym typeface="Symbol" panose="05050102010706020507" pitchFamily="18" charset="2"/>
               </a:rPr>
-              <a:t> </a:t>
-            </a:r>
-            <a:r>
-              <a:rPr lang="en-US" altLang="en-US" sz="2400" dirty="0" smtClean="0">
+              <a:t> indicates that process </a:t>
+            </a:r>
+            <a:r>
+              <a:rPr lang="en-US" altLang="en-US" sz="2400" i="1" dirty="0">
                 <a:sym typeface="Symbol" panose="05050102010706020507" pitchFamily="18" charset="2"/>
               </a:rPr>
-              <a:t>indicates </a:t>
+              <a:t>P</a:t>
+            </a:r>
+            <a:r>
+              <a:rPr lang="en-US" altLang="en-US" sz="2400" i="1" baseline="-25000" dirty="0">
+                <a:sym typeface="Symbol" panose="05050102010706020507" pitchFamily="18" charset="2"/>
+              </a:rPr>
+              <a:t>i</a:t>
             </a:r>
             <a:r>
               <a:rPr lang="en-US" altLang="en-US" sz="2400" dirty="0">
                 <a:sym typeface="Symbol" panose="05050102010706020507" pitchFamily="18" charset="2"/>
               </a:rPr>
-              <a:t>that process </a:t>
-            </a:r>
-            <a:r>
-              <a:rPr lang="en-US" altLang="en-US" sz="2400" i="1" dirty="0" smtClean="0">
-                <a:sym typeface="Symbol" panose="05050102010706020507" pitchFamily="18" charset="2"/>
-              </a:rPr>
-              <a:t>P</a:t>
-            </a:r>
-            <a:r>
-              <a:rPr lang="en-US" altLang="en-US" sz="2400" i="1" baseline="-25000" dirty="0" smtClean="0">
-                <a:sym typeface="Symbol" panose="05050102010706020507" pitchFamily="18" charset="2"/>
-              </a:rPr>
-              <a:t>i</a:t>
-            </a:r>
-            <a:r>
-              <a:rPr lang="en-US" altLang="en-US" sz="2400" dirty="0" smtClean="0">
-                <a:sym typeface="Symbol" panose="05050102010706020507" pitchFamily="18" charset="2"/>
-              </a:rPr>
-              <a:t> </a:t>
-            </a:r>
-            <a:r>
-              <a:rPr lang="en-US" altLang="en-US" sz="2400" dirty="0">
-                <a:sym typeface="Symbol" panose="05050102010706020507" pitchFamily="18" charset="2"/>
-              </a:rPr>
-              <a:t>may request resource </a:t>
+              <a:t> may request resource </a:t>
             </a:r>
             <a:r>
               <a:rPr lang="en-US" altLang="en-US" sz="2400" i="1" dirty="0" err="1">
@@ -18511,31 +18396,7 @@
               <a:rPr lang="en-US" altLang="en-US" sz="2400" dirty="0">
                 <a:sym typeface="Symbol" panose="05050102010706020507" pitchFamily="18" charset="2"/>
               </a:rPr>
-              <a:t>Request </a:t>
-            </a:r>
-            <a:r>
-              <a:rPr lang="en-US" altLang="en-US" sz="2400" dirty="0" smtClean="0">
-                <a:sym typeface="Symbol" panose="05050102010706020507" pitchFamily="18" charset="2"/>
-              </a:rPr>
-              <a:t>edge is </a:t>
-            </a:r>
-            <a:r>
-              <a:rPr lang="en-US" altLang="en-US" sz="2400" dirty="0">
-                <a:sym typeface="Symbol" panose="05050102010706020507" pitchFamily="18" charset="2"/>
-              </a:rPr>
-              <a:t>converted to an assignment edge when the </a:t>
-            </a:r>
-            <a:r>
-              <a:rPr lang="en-US" altLang="en-US" sz="2400" dirty="0" smtClean="0">
-                <a:sym typeface="Symbol" panose="05050102010706020507" pitchFamily="18" charset="2"/>
-              </a:rPr>
-              <a:t>resource </a:t>
-            </a:r>
-            <a:r>
-              <a:rPr lang="en-US" altLang="en-US" sz="2400" dirty="0">
-                <a:sym typeface="Symbol" panose="05050102010706020507" pitchFamily="18" charset="2"/>
-              </a:rPr>
-              <a:t>is allocated to the process</a:t>
+              <a:t>Request edge is converted to an assignment edge when the resource is allocated to the process</a:t>
             </a:r>
           </a:p>
           <a:p>
@@ -18742,15 +18603,7 @@
             <a:pPr eaLnBrk="1" hangingPunct="1"/>
             <a:r>
               <a:rPr lang="en-US" altLang="en-US" sz="2800" dirty="0"/>
-              <a:t>Unsafe State </a:t>
-            </a:r>
-            <a:r>
-              <a:rPr lang="en-US" altLang="en-US" sz="2800" dirty="0" smtClean="0"/>
-              <a:t>in </a:t>
-            </a:r>
-            <a:r>
-              <a:rPr lang="en-US" altLang="en-US" sz="2800" dirty="0"/>
-              <a:t>Resource-Allocation Graph</a:t>
+              <a:t>Unsafe State in Resource-Allocation Graph</a:t>
             </a:r>
           </a:p>
         </p:txBody>
@@ -19064,15 +18917,7 @@
           <a:p>
             <a:r>
               <a:rPr lang="en-US" altLang="en-US" sz="2400" dirty="0"/>
-              <a:t>When a process requests a </a:t>
-            </a:r>
-            <a:r>
-              <a:rPr lang="en-US" altLang="en-US" sz="2400" dirty="0" smtClean="0"/>
-              <a:t>resource, </a:t>
-            </a:r>
-            <a:r>
-              <a:rPr lang="en-US" altLang="en-US" sz="2400" dirty="0"/>
-              <a:t>it may have to wait  </a:t>
+              <a:t>When a process requests a resource, it may have to wait  </a:t>
             </a:r>
             <a:br>
               <a:rPr lang="en-US" altLang="en-US" sz="2400" dirty="0"/>
@@ -19082,15 +18927,7 @@
           <a:p>
             <a:r>
               <a:rPr lang="en-US" altLang="en-US" sz="2400" dirty="0"/>
-              <a:t>When a process gets all its </a:t>
-            </a:r>
-            <a:r>
-              <a:rPr lang="en-US" altLang="en-US" sz="2400" dirty="0" smtClean="0"/>
-              <a:t>resources, </a:t>
-            </a:r>
-            <a:r>
-              <a:rPr lang="en-US" altLang="en-US" sz="2400" dirty="0"/>
-              <a:t>it must return them in a finite amount of time</a:t>
+              <a:t>When a process gets all its resources, it must return them in a finite amount of time</a:t>
             </a:r>
           </a:p>
         </p:txBody>
@@ -19492,19 +19329,11 @@
             </a:r>
             <a:r>
               <a:rPr lang="en-US" altLang="en-US" sz="2000" baseline="-25000" dirty="0"/>
-              <a:t> </a:t>
-            </a:r>
-            <a:r>
-              <a:rPr lang="en-US" altLang="en-US" sz="2000" baseline="-25000" dirty="0" smtClean="0"/>
-              <a:t> </a:t>
-            </a:r>
-            <a:r>
-              <a:rPr lang="en-US" altLang="en-US" sz="2000" dirty="0" smtClean="0"/>
-              <a:t>to </a:t>
+              <a:t>  </a:t>
             </a:r>
             <a:r>
               <a:rPr lang="en-US" altLang="en-US" sz="2000" dirty="0"/>
-              <a:t>complete its task</a:t>
+              <a:t>to complete its task</a:t>
             </a:r>
           </a:p>
           <a:p>
@@ -19512,10 +19341,6 @@
               <a:buFont typeface="Webdings" panose="05030102010509060703" pitchFamily="18" charset="2"/>
               <a:buNone/>
             </a:pPr>
-            <a:r>
-              <a:rPr lang="en-US" altLang="en-US" sz="2000" dirty="0"/>
-              <a:t/>
-            </a:r>
             <a:br>
               <a:rPr lang="en-US" altLang="en-US" sz="2000" dirty="0"/>
             </a:br>
@@ -19823,13 +19648,8 @@
             </a:r>
             <a:r>
               <a:rPr kumimoji="0" lang="en-US" altLang="en-US" sz="2000" dirty="0"/>
-              <a:t>= number of resources </a:t>
-            </a:r>
-            <a:r>
-              <a:rPr kumimoji="0" lang="en-US" altLang="en-US" sz="2000" dirty="0" smtClean="0"/>
-              <a:t>types </a:t>
-            </a:r>
-            <a:endParaRPr kumimoji="0" lang="en-US" altLang="en-US" sz="2000" dirty="0"/>
+              <a:t>= number of resources types </a:t>
+            </a:r>
           </a:p>
         </p:txBody>
       </p:sp>
@@ -20030,11 +19850,7 @@
             </a:r>
             <a:r>
               <a:rPr lang="en-US" altLang="en-US" sz="2000" b="1" i="1" dirty="0"/>
-              <a:t> </a:t>
-            </a:r>
-            <a:r>
-              <a:rPr lang="en-US" altLang="en-US" sz="2000" b="1" i="1" dirty="0" smtClean="0"/>
-              <a:t>false, </a:t>
+              <a:t> false, </a:t>
             </a:r>
             <a:r>
               <a:rPr lang="en-US" altLang="en-US" sz="2000" b="1" dirty="0"/>
@@ -20049,14 +19865,13 @@
               <a:t> = 0, 1, …, </a:t>
             </a:r>
             <a:r>
-              <a:rPr lang="en-US" altLang="en-US" sz="2000" b="1" i="1" dirty="0" smtClean="0"/>
+              <a:rPr lang="en-US" altLang="en-US" sz="2000" b="1" i="1" dirty="0"/>
               <a:t>n-</a:t>
             </a:r>
             <a:r>
-              <a:rPr lang="en-US" altLang="en-US" sz="2000" b="1" dirty="0" smtClean="0"/>
+              <a:rPr lang="en-US" altLang="en-US" sz="2000" b="1" dirty="0"/>
               <a:t>1</a:t>
             </a:r>
-            <a:endParaRPr lang="en-US" altLang="en-US" sz="2000" b="1" dirty="0"/>
           </a:p>
           <a:p>
             <a:pPr marL="1543050" lvl="3" indent="-342900">
@@ -20242,10 +20057,6 @@
               <a:rPr lang="en-US" altLang="en-US" sz="2000" b="1" i="1" baseline="-25000" dirty="0" err="1"/>
               <a:t>i</a:t>
             </a:r>
-            <a:r>
-              <a:rPr lang="en-US" altLang="en-US" sz="2000" b="1" dirty="0"/>
-              <a:t/>
-            </a:r>
             <a:br>
               <a:rPr lang="en-US" altLang="en-US" sz="2000" b="1" dirty="0"/>
             </a:br>
@@ -20272,10 +20083,6 @@
             <a:r>
               <a:rPr lang="en-US" altLang="en-US" sz="2000" b="1" i="1" dirty="0"/>
               <a:t> true</a:t>
-            </a:r>
-            <a:r>
-              <a:rPr lang="en-US" altLang="en-US" sz="2000" b="1" dirty="0"/>
-              <a:t/>
             </a:r>
             <a:br>
               <a:rPr lang="en-US" altLang="en-US" sz="2000" b="1" dirty="0"/>
@@ -20453,20 +20260,16 @@
               <a:t>    </a:t>
             </a:r>
             <a:r>
-              <a:rPr lang="en-US" altLang="en-US" sz="2000" b="1" i="1" dirty="0" err="1" smtClean="0"/>
+              <a:rPr lang="en-US" altLang="en-US" sz="2000" b="1" i="1" dirty="0" err="1"/>
               <a:t>Request</a:t>
             </a:r>
             <a:r>
-              <a:rPr lang="en-US" altLang="en-US" sz="2000" b="1" i="1" baseline="-25000" dirty="0" err="1" smtClean="0"/>
+              <a:rPr lang="en-US" altLang="en-US" sz="2000" b="1" i="1" baseline="-25000" dirty="0" err="1"/>
               <a:t>i</a:t>
             </a:r>
             <a:r>
-              <a:rPr lang="en-US" altLang="en-US" sz="2000" dirty="0" smtClean="0"/>
-              <a:t> </a:t>
-            </a:r>
-            <a:r>
               <a:rPr lang="en-US" altLang="en-US" sz="2000" dirty="0"/>
-              <a:t>= request vector for process </a:t>
+              <a:t> = request vector for process </a:t>
             </a:r>
             <a:r>
               <a:rPr lang="en-US" altLang="en-US" sz="2000" b="1" i="1" dirty="0"/>
@@ -21075,11 +20878,7 @@
             </a:pPr>
             <a:r>
               <a:rPr lang="en-US" altLang="en-US" sz="2000" dirty="0"/>
-              <a:t>5 </a:t>
-            </a:r>
-            <a:r>
-              <a:rPr lang="en-US" altLang="en-US" sz="2000" dirty="0" smtClean="0"/>
-              <a:t>processes: </a:t>
+              <a:t>5 processes: </a:t>
             </a:r>
             <a:r>
               <a:rPr lang="en-US" altLang="en-US" sz="2000" i="1" dirty="0"/>
@@ -21094,11 +20893,11 @@
               <a:t>through </a:t>
             </a:r>
             <a:r>
-              <a:rPr lang="en-US" altLang="en-US" sz="2000" i="1" dirty="0" smtClean="0"/>
+              <a:rPr lang="en-US" altLang="en-US" sz="2000" i="1" dirty="0"/>
               <a:t>P</a:t>
             </a:r>
             <a:r>
-              <a:rPr lang="en-US" altLang="en-US" sz="2000" baseline="-25000" dirty="0" smtClean="0"/>
+              <a:rPr lang="en-US" altLang="en-US" sz="2000" baseline="-25000" dirty="0"/>
               <a:t>4</a:t>
             </a:r>
             <a:endParaRPr lang="en-US" altLang="en-US" sz="2000" dirty="0"/>
@@ -21116,15 +20915,7 @@
             </a:pPr>
             <a:r>
               <a:rPr lang="en-US" altLang="en-US" sz="2000" dirty="0"/>
-              <a:t>    </a:t>
-            </a:r>
-            <a:r>
-              <a:rPr lang="en-US" altLang="en-US" sz="2000" dirty="0" smtClean="0"/>
-              <a:t>3 </a:t>
-            </a:r>
-            <a:r>
-              <a:rPr lang="en-US" altLang="en-US" sz="2000" dirty="0"/>
-              <a:t>resource types:</a:t>
+              <a:t>    3 resource types:</a:t>
             </a:r>
           </a:p>
           <a:p>
@@ -21156,15 +20947,7 @@
             </a:r>
             <a:r>
               <a:rPr lang="en-US" altLang="en-US" sz="2000" dirty="0"/>
-              <a:t> (</a:t>
-            </a:r>
-            <a:r>
-              <a:rPr lang="en-US" altLang="en-US" sz="2000" dirty="0" smtClean="0"/>
-              <a:t>5 instances</a:t>
-            </a:r>
-            <a:r>
-              <a:rPr lang="en-US" altLang="en-US" sz="2000" dirty="0"/>
-              <a:t>), and </a:t>
+              <a:t> (5 instances), and </a:t>
             </a:r>
             <a:r>
               <a:rPr lang="en-US" altLang="en-US" sz="2000" i="1" dirty="0"/>
@@ -21222,11 +21005,7 @@
             </a:r>
             <a:r>
               <a:rPr lang="en-US" altLang="en-US" sz="2000" i="1" dirty="0"/>
-              <a:t>	 </a:t>
-            </a:r>
-            <a:r>
-              <a:rPr lang="en-US" altLang="en-US" sz="2000" i="1" dirty="0" smtClean="0"/>
-              <a:t>      </a:t>
+              <a:t>	       </a:t>
             </a:r>
             <a:r>
               <a:rPr lang="en-US" altLang="en-US" sz="2000" i="1" u="sng" dirty="0"/>
@@ -21234,14 +21013,10 @@
             </a:r>
             <a:r>
               <a:rPr lang="en-US" altLang="en-US" sz="2000" i="1" dirty="0"/>
-              <a:t>	</a:t>
-            </a:r>
-            <a:r>
-              <a:rPr lang="en-US" altLang="en-US" sz="2000" i="1" dirty="0" smtClean="0"/>
-              <a:t>         </a:t>
-            </a:r>
-            <a:r>
-              <a:rPr lang="en-US" altLang="en-US" sz="2000" i="1" u="sng" dirty="0" smtClean="0"/>
+              <a:t>	         </a:t>
+            </a:r>
+            <a:r>
+              <a:rPr lang="en-US" altLang="en-US" sz="2000" i="1" u="sng" dirty="0"/>
               <a:t>Available</a:t>
             </a:r>
             <a:endParaRPr lang="en-US" altLang="en-US" sz="2000" i="1" dirty="0"/>
@@ -21259,23 +21034,7 @@
             </a:pPr>
             <a:r>
               <a:rPr lang="en-US" altLang="en-US" sz="2000" i="1" dirty="0"/>
-              <a:t>			A B C	       </a:t>
-            </a:r>
-            <a:r>
-              <a:rPr lang="en-US" altLang="en-US" sz="2000" i="1" dirty="0" smtClean="0"/>
-              <a:t> A </a:t>
-            </a:r>
-            <a:r>
-              <a:rPr lang="en-US" altLang="en-US" sz="2000" i="1" dirty="0"/>
-              <a:t>B C 	</a:t>
-            </a:r>
-            <a:r>
-              <a:rPr lang="en-US" altLang="en-US" sz="2000" i="1" dirty="0" smtClean="0"/>
-              <a:t>        A </a:t>
-            </a:r>
-            <a:r>
-              <a:rPr lang="en-US" altLang="en-US" sz="2000" i="1" dirty="0"/>
-              <a:t>B C</a:t>
+              <a:t>			A B C	        A B C 	        A B C</a:t>
             </a:r>
           </a:p>
           <a:p>
@@ -21291,43 +21050,19 @@
             </a:pPr>
             <a:r>
               <a:rPr lang="en-US" altLang="en-US" sz="2000" dirty="0"/>
-              <a:t>		</a:t>
-            </a:r>
-            <a:r>
-              <a:rPr lang="en-US" altLang="en-US" sz="2000" dirty="0" smtClean="0"/>
-              <a:t> </a:t>
-            </a:r>
-            <a:r>
-              <a:rPr lang="en-US" altLang="en-US" sz="2000" i="1" dirty="0" smtClean="0"/>
+              <a:t>		 </a:t>
+            </a:r>
+            <a:r>
+              <a:rPr lang="en-US" altLang="en-US" sz="2000" i="1" dirty="0"/>
               <a:t>P</a:t>
             </a:r>
             <a:r>
-              <a:rPr lang="en-US" altLang="en-US" sz="2000" baseline="-25000" dirty="0" smtClean="0"/>
-              <a:t>0</a:t>
-            </a:r>
-            <a:r>
               <a:rPr lang="en-US" altLang="en-US" sz="2000" baseline="-25000" dirty="0"/>
-              <a:t>	</a:t>
+              <a:t>0	</a:t>
             </a:r>
             <a:r>
               <a:rPr lang="en-US" altLang="en-US" sz="2000" dirty="0"/>
-              <a:t>0 1 0	        </a:t>
-            </a:r>
-            <a:r>
-              <a:rPr lang="en-US" altLang="en-US" sz="2000" dirty="0" smtClean="0"/>
-              <a:t>7 </a:t>
-            </a:r>
-            <a:r>
-              <a:rPr lang="en-US" altLang="en-US" sz="2000" dirty="0"/>
-              <a:t>5 3 	</a:t>
-            </a:r>
-            <a:r>
-              <a:rPr lang="en-US" altLang="en-US" sz="2000" dirty="0" smtClean="0"/>
-              <a:t>         3 </a:t>
-            </a:r>
-            <a:r>
-              <a:rPr lang="en-US" altLang="en-US" sz="2000" dirty="0"/>
-              <a:t>3 2</a:t>
+              <a:t>0 1 0	        7 5 3 	         3 3 2</a:t>
             </a:r>
           </a:p>
           <a:p>
@@ -21549,7 +21284,7 @@
             </a:r>
             <a:r>
               <a:rPr lang="en-US" altLang="en-US" sz="2400" dirty="0"/>
-              <a:t>that characterize deadlock</a:t>
+              <a:t>that characterize deadlocks</a:t>
             </a:r>
           </a:p>
           <a:p>
@@ -21591,7 +21326,7 @@
           <a:p>
             <a:r>
               <a:rPr lang="en-US" altLang="en-US" sz="2400" dirty="0"/>
-              <a:t>Evaluate approaches for recovering from deadlock</a:t>
+              <a:t>Evaluate approaches for recovering from deadlocks</a:t>
             </a:r>
           </a:p>
           <a:p>
@@ -22094,25 +21829,7 @@
               <a:rPr lang="en-US" altLang="en-US" sz="2000" dirty="0">
                 <a:sym typeface="Symbol" panose="05050102010706020507" pitchFamily="18" charset="2"/>
               </a:rPr>
-              <a:t> </a:t>
-            </a:r>
-            <a:r>
-              <a:rPr lang="en-US" altLang="en-US" sz="2000" dirty="0" smtClean="0">
-                <a:sym typeface="Symbol" panose="05050102010706020507" pitchFamily="18" charset="2"/>
-              </a:rPr>
-              <a:t>Available: </a:t>
-            </a:r>
-            <a:r>
-              <a:rPr lang="en-US" altLang="en-US" sz="2000" dirty="0">
-                <a:sym typeface="Symbol" panose="05050102010706020507" pitchFamily="18" charset="2"/>
-              </a:rPr>
-              <a:t>(that is, (1,0,2)  (3,3,2)  </a:t>
-            </a:r>
-            <a:r>
-              <a:rPr lang="en-US" altLang="en-US" sz="2000" dirty="0" smtClean="0">
-                <a:sym typeface="Symbol" panose="05050102010706020507" pitchFamily="18" charset="2"/>
-              </a:rPr>
-              <a:t>true)</a:t>
+              <a:t> Available: (that is, (1,0,2)  (3,3,2)  true)</a:t>
             </a:r>
             <a:endParaRPr lang="en-US" altLang="en-US" sz="2000" i="1" dirty="0">
               <a:sym typeface="Symbol" panose="05050102010706020507" pitchFamily="18" charset="2"/>
@@ -22168,15 +21885,7 @@
             </a:pPr>
             <a:r>
               <a:rPr lang="en-US" altLang="en-US" sz="2000" i="1" dirty="0"/>
-              <a:t>			A B C	A B C	</a:t>
-            </a:r>
-            <a:r>
-              <a:rPr lang="en-US" altLang="en-US" sz="2000" i="1" dirty="0" smtClean="0"/>
-              <a:t>A </a:t>
-            </a:r>
-            <a:r>
-              <a:rPr lang="en-US" altLang="en-US" sz="2000" i="1" dirty="0"/>
-              <a:t>B C </a:t>
+              <a:t>			A B C	A B C	A B C </a:t>
             </a:r>
           </a:p>
           <a:p>
@@ -22232,23 +21941,7 @@
             </a:r>
             <a:r>
               <a:rPr lang="en-US" altLang="en-US" sz="2000" dirty="0"/>
-              <a:t>	     </a:t>
-            </a:r>
-            <a:r>
-              <a:rPr lang="en-US" altLang="en-US" sz="2000" dirty="0" smtClean="0"/>
-              <a:t>3 </a:t>
-            </a:r>
-            <a:r>
-              <a:rPr lang="en-US" altLang="en-US" sz="2000" dirty="0"/>
-              <a:t>0 2          </a:t>
-            </a:r>
-            <a:r>
-              <a:rPr lang="en-US" altLang="en-US" sz="2000" dirty="0" smtClean="0"/>
-              <a:t> 0 </a:t>
-            </a:r>
-            <a:r>
-              <a:rPr lang="en-US" altLang="en-US" sz="2000" dirty="0"/>
-              <a:t>2 0 	</a:t>
+              <a:t>	     3 0 2           0 2 0 	</a:t>
             </a:r>
           </a:p>
           <a:p>
@@ -22304,15 +21997,7 @@
             </a:r>
             <a:r>
               <a:rPr lang="en-US" altLang="en-US" sz="2000" dirty="0"/>
-              <a:t>	2 1 1 	</a:t>
-            </a:r>
-            <a:r>
-              <a:rPr lang="en-US" altLang="en-US" sz="2000" dirty="0" smtClean="0"/>
-              <a:t> 0 </a:t>
-            </a:r>
-            <a:r>
-              <a:rPr lang="en-US" altLang="en-US" sz="2000" dirty="0"/>
-              <a:t>1 1</a:t>
+              <a:t>	2 1 1 	 0 1 1</a:t>
             </a:r>
           </a:p>
           <a:p>
@@ -22835,12 +22520,6 @@
               </a:rPr>
               <a:t>j</a:t>
             </a:r>
-            <a:r>
-              <a:rPr lang="en-US" altLang="en-US" sz="2400" b="1" i="1" dirty="0">
-                <a:sym typeface="Symbol" panose="05050102010706020507" pitchFamily="18" charset="2"/>
-              </a:rPr>
-              <a:t/>
-            </a:r>
             <a:br>
               <a:rPr lang="en-US" altLang="en-US" sz="2400" b="1" i="1" dirty="0">
                 <a:sym typeface="Symbol" panose="05050102010706020507" pitchFamily="18" charset="2"/>
@@ -22882,14 +22561,10 @@
             </a:r>
             <a:r>
               <a:rPr lang="en-US" altLang="en-US" sz="2400" i="1" dirty="0"/>
-              <a:t> </a:t>
-            </a:r>
-            <a:r>
-              <a:rPr lang="en-US" altLang="en-US" sz="2400" i="1" dirty="0" smtClean="0"/>
-              <a:t>O(</a:t>
-            </a:r>
-            <a:r>
-              <a:rPr lang="en-US" altLang="en-US" sz="2400" b="1" i="1" dirty="0" smtClean="0">
+              <a:t> O(</a:t>
+            </a:r>
+            <a:r>
+              <a:rPr lang="en-US" altLang="en-US" sz="2400" b="1" i="1" dirty="0">
                 <a:solidFill>
                   <a:srgbClr val="0000FF"/>
                 </a:solidFill>
@@ -22897,7 +22572,7 @@
               <a:t>n</a:t>
             </a:r>
             <a:r>
-              <a:rPr lang="en-US" altLang="en-US" sz="2400" b="1" baseline="30000" dirty="0" smtClean="0">
+              <a:rPr lang="en-US" altLang="en-US" sz="2400" b="1" baseline="30000" dirty="0">
                 <a:solidFill>
                   <a:srgbClr val="0000FF"/>
                 </a:solidFill>
@@ -22905,11 +22580,11 @@
               <a:t>2</a:t>
             </a:r>
             <a:r>
-              <a:rPr lang="en-US" altLang="en-US" sz="2400" dirty="0" smtClean="0"/>
+              <a:rPr lang="en-US" altLang="en-US" sz="2400" dirty="0"/>
               <a:t>)</a:t>
             </a:r>
             <a:r>
-              <a:rPr lang="en-US" altLang="en-US" sz="2400" b="1" dirty="0" smtClean="0"/>
+              <a:rPr lang="en-US" altLang="en-US" sz="2400" b="1" dirty="0"/>
               <a:t> </a:t>
             </a:r>
             <a:r>
@@ -22981,15 +22656,7 @@
             <a:pPr eaLnBrk="1" hangingPunct="1"/>
             <a:r>
               <a:rPr lang="en-US" altLang="en-US" sz="2400" dirty="0"/>
-              <a:t>Resource-Allocation Graph and </a:t>
-            </a:r>
-            <a:r>
-              <a:rPr lang="en-US" altLang="en-US" sz="2400" dirty="0" smtClean="0"/>
-              <a:t>Wait-for </a:t>
-            </a:r>
-            <a:r>
-              <a:rPr lang="en-US" altLang="en-US" sz="2400" dirty="0"/>
-              <a:t>Graph</a:t>
+              <a:t>Resource-Allocation Graph and Wait-for Graph</a:t>
             </a:r>
           </a:p>
         </p:txBody>
@@ -23655,11 +23322,7 @@
             </a:r>
             <a:r>
               <a:rPr lang="en-US" altLang="en-US" sz="2400" dirty="0"/>
-              <a:t> </a:t>
-            </a:r>
-            <a:r>
-              <a:rPr lang="en-US" altLang="en-US" sz="2400" dirty="0" smtClean="0"/>
-              <a:t>An </a:t>
+              <a:t> An </a:t>
             </a:r>
             <a:r>
               <a:rPr lang="en-US" altLang="en-US" sz="2400" b="1" i="1" dirty="0"/>
@@ -23717,22 +23380,13 @@
             </a:r>
             <a:r>
               <a:rPr lang="en-US" altLang="en-US" sz="2400" dirty="0"/>
-              <a:t>matrix indicates the current request </a:t>
-            </a:r>
-            <a:r>
-              <a:rPr lang="en-US" altLang="en-US" sz="2400" dirty="0" smtClean="0"/>
-              <a:t>of </a:t>
-            </a:r>
+              <a:t>matrix indicates the current request of each process.  </a:t>
+            </a:r>
+          </a:p>
+          <a:p>
+            <a:pPr lvl="1"/>
             <a:r>
               <a:rPr lang="en-US" altLang="en-US" sz="2400" dirty="0"/>
-              <a:t>each process.  </a:t>
-            </a:r>
-            <a:endParaRPr lang="en-US" altLang="en-US" sz="2400" dirty="0" smtClean="0"/>
-          </a:p>
-          <a:p>
-            <a:pPr lvl="1"/>
-            <a:r>
-              <a:rPr lang="en-US" altLang="en-US" sz="2400" dirty="0" smtClean="0"/>
               <a:t>If </a:t>
             </a:r>
             <a:r>
@@ -23796,11 +23450,11 @@
               <a:t> more instances of resource type </a:t>
             </a:r>
             <a:r>
-              <a:rPr lang="en-US" altLang="en-US" sz="2400" b="1" i="1" dirty="0" err="1" smtClean="0"/>
+              <a:rPr lang="en-US" altLang="en-US" sz="2400" b="1" i="1" dirty="0" err="1"/>
               <a:t>R</a:t>
             </a:r>
             <a:r>
-              <a:rPr lang="en-US" altLang="en-US" sz="2400" b="1" i="1" baseline="-25000" dirty="0" err="1" smtClean="0"/>
+              <a:rPr lang="en-US" altLang="en-US" sz="2400" b="1" i="1" baseline="-25000" dirty="0" err="1"/>
               <a:t>j</a:t>
             </a:r>
             <a:endParaRPr lang="en-US" altLang="en-US" sz="2400" dirty="0"/>
@@ -23930,15 +23584,7 @@
             </a:r>
             <a:r>
               <a:rPr lang="en-US" altLang="en-US" sz="2400" dirty="0"/>
-              <a:t>, </a:t>
-            </a:r>
-            <a:r>
-              <a:rPr lang="en-US" altLang="en-US" sz="2400" dirty="0" smtClean="0"/>
-              <a:t>respectively. </a:t>
-            </a:r>
-            <a:r>
-              <a:rPr lang="en-US" altLang="en-US" sz="2400" dirty="0"/>
-              <a:t>Initialize:</a:t>
+              <a:t>, respectively. Initialize:</a:t>
             </a:r>
           </a:p>
           <a:p>
@@ -24323,10 +23969,6 @@
               <a:rPr lang="en-US" altLang="en-US" sz="2400" b="1" i="1" baseline="-25000" dirty="0" err="1"/>
               <a:t>i</a:t>
             </a:r>
-            <a:r>
-              <a:rPr lang="en-US" altLang="en-US" sz="2400" b="1" dirty="0"/>
-              <a:t/>
-            </a:r>
             <a:br>
               <a:rPr lang="en-US" altLang="en-US" sz="2400" b="1" dirty="0"/>
             </a:br>
@@ -24335,15 +23977,15 @@
               <a:t> </a:t>
             </a:r>
             <a:r>
-              <a:rPr lang="en-US" altLang="en-US" sz="2400" b="1" i="1" dirty="0" smtClean="0"/>
+              <a:rPr lang="en-US" altLang="en-US" sz="2400" b="1" i="1" dirty="0"/>
               <a:t>Finish</a:t>
             </a:r>
             <a:r>
-              <a:rPr lang="en-US" altLang="en-US" sz="2400" b="1" dirty="0" smtClean="0"/>
+              <a:rPr lang="en-US" altLang="en-US" sz="2400" b="1" dirty="0"/>
               <a:t>[</a:t>
             </a:r>
             <a:r>
-              <a:rPr lang="en-US" altLang="en-US" sz="2400" b="1" i="1" dirty="0" err="1" smtClean="0"/>
+              <a:rPr lang="en-US" altLang="en-US" sz="2400" b="1" i="1" dirty="0" err="1"/>
               <a:t>i</a:t>
             </a:r>
             <a:r>
@@ -24353,10 +23995,6 @@
             <a:r>
               <a:rPr lang="en-US" altLang="en-US" sz="2400" b="1" i="1" dirty="0"/>
               <a:t>true</a:t>
-            </a:r>
-            <a:r>
-              <a:rPr lang="en-US" altLang="en-US" sz="2400" b="1" dirty="0"/>
-              <a:t/>
             </a:r>
             <a:br>
               <a:rPr lang="en-US" altLang="en-US" sz="2400" b="1" dirty="0"/>
@@ -24366,12 +24004,8 @@
               <a:t> </a:t>
             </a:r>
             <a:r>
-              <a:rPr lang="en-US" altLang="en-US" sz="2400" dirty="0" smtClean="0"/>
-              <a:t>go </a:t>
-            </a:r>
-            <a:r>
               <a:rPr lang="en-US" altLang="en-US" sz="2400" dirty="0"/>
-              <a:t>to step 2</a:t>
+              <a:t>go to step 2</a:t>
             </a:r>
             <a:br>
               <a:rPr lang="en-US" altLang="en-US" sz="2400" dirty="0"/>
@@ -24389,7 +24023,7 @@
               <a:buAutoNum type="arabicPeriod" startAt="3"/>
             </a:pPr>
             <a:r>
-              <a:rPr lang="en-US" altLang="en-US" sz="2400" dirty="0" smtClean="0"/>
+              <a:rPr lang="en-US" altLang="en-US" sz="2400" dirty="0"/>
               <a:t>If </a:t>
             </a:r>
             <a:r>
@@ -24436,31 +24070,7 @@
               <a:rPr lang="en-US" altLang="en-US" sz="2400" dirty="0">
                 <a:sym typeface="Symbol" panose="05050102010706020507" pitchFamily="18" charset="2"/>
               </a:rPr>
-              <a:t>, then </a:t>
-            </a:r>
-            <a:r>
-              <a:rPr lang="en-US" altLang="en-US" sz="2400" dirty="0" smtClean="0">
-                <a:sym typeface="Symbol" panose="05050102010706020507" pitchFamily="18" charset="2"/>
-              </a:rPr>
-              <a:t>the </a:t>
-            </a:r>
-            <a:r>
-              <a:rPr lang="en-US" altLang="en-US" sz="2400" dirty="0">
-                <a:sym typeface="Symbol" panose="05050102010706020507" pitchFamily="18" charset="2"/>
-              </a:rPr>
-              <a:t>system is </a:t>
-            </a:r>
-            <a:r>
-              <a:rPr lang="en-US" altLang="en-US" sz="2400" dirty="0" smtClean="0">
-                <a:sym typeface="Symbol" panose="05050102010706020507" pitchFamily="18" charset="2"/>
-              </a:rPr>
-              <a:t>in </a:t>
-            </a:r>
-            <a:r>
-              <a:rPr lang="en-US" altLang="en-US" sz="2400" dirty="0">
-                <a:sym typeface="Symbol" panose="05050102010706020507" pitchFamily="18" charset="2"/>
-              </a:rPr>
-              <a:t>deadlock state. Moreover, if </a:t>
+              <a:t>, then the system is in deadlock state. Moreover, if </a:t>
             </a:r>
             <a:r>
               <a:rPr lang="en-US" altLang="en-US" sz="2400" b="1" i="1" dirty="0">
@@ -25114,39 +24724,19 @@
             </a:pPr>
             <a:r>
               <a:rPr lang="en-US" altLang="en-US" sz="2000" dirty="0"/>
-              <a:t>	        </a:t>
-            </a:r>
-            <a:r>
-              <a:rPr lang="en-US" altLang="en-US" sz="2000" dirty="0" smtClean="0"/>
-              <a:t> </a:t>
-            </a:r>
-            <a:r>
-              <a:rPr lang="en-US" altLang="en-US" sz="2000" i="1" dirty="0" smtClean="0"/>
+              <a:t>	         </a:t>
+            </a:r>
+            <a:r>
+              <a:rPr lang="en-US" altLang="en-US" sz="2000" i="1" dirty="0"/>
               <a:t>P</a:t>
             </a:r>
             <a:r>
-              <a:rPr lang="en-US" altLang="en-US" sz="2000" baseline="-25000" dirty="0" smtClean="0"/>
+              <a:rPr lang="en-US" altLang="en-US" sz="2000" baseline="-25000" dirty="0"/>
               <a:t>0</a:t>
             </a:r>
             <a:r>
               <a:rPr lang="en-US" altLang="en-US" sz="2000" dirty="0"/>
-              <a:t>	        </a:t>
-            </a:r>
-            <a:r>
-              <a:rPr lang="en-US" altLang="en-US" sz="2000" dirty="0" smtClean="0"/>
-              <a:t> </a:t>
-            </a:r>
-            <a:r>
-              <a:rPr lang="en-US" altLang="en-US" sz="2000" dirty="0"/>
-              <a:t>0 1 0          </a:t>
-            </a:r>
-            <a:r>
-              <a:rPr lang="en-US" altLang="en-US" sz="2000" dirty="0" smtClean="0"/>
-              <a:t> 0 </a:t>
-            </a:r>
-            <a:r>
-              <a:rPr lang="en-US" altLang="en-US" sz="2000" dirty="0"/>
-              <a:t>0 0 	0 0 0</a:t>
+              <a:t>	         0 1 0           0 0 0 	0 0 0</a:t>
             </a:r>
           </a:p>
           <a:p>
@@ -25170,15 +24760,7 @@
             </a:r>
             <a:r>
               <a:rPr lang="en-US" altLang="en-US" sz="2000" dirty="0"/>
-              <a:t>	        </a:t>
-            </a:r>
-            <a:r>
-              <a:rPr lang="en-US" altLang="en-US" sz="2000" dirty="0" smtClean="0"/>
-              <a:t> </a:t>
-            </a:r>
-            <a:r>
-              <a:rPr lang="en-US" altLang="en-US" sz="2000" dirty="0"/>
-              <a:t>	2 0 0 	  2 0 2</a:t>
+              <a:t>	         	2 0 0 	  2 0 2</a:t>
             </a:r>
           </a:p>
           <a:p>
@@ -25202,23 +24784,7 @@
             </a:r>
             <a:r>
               <a:rPr lang="en-US" altLang="en-US" sz="2000" dirty="0"/>
-              <a:t>		        </a:t>
-            </a:r>
-            <a:r>
-              <a:rPr lang="en-US" altLang="en-US" sz="2000" dirty="0" smtClean="0"/>
-              <a:t> </a:t>
-            </a:r>
-            <a:r>
-              <a:rPr lang="en-US" altLang="en-US" sz="2000" dirty="0"/>
-              <a:t>3 0 3          </a:t>
-            </a:r>
-            <a:r>
-              <a:rPr lang="en-US" altLang="en-US" sz="2000" dirty="0" smtClean="0"/>
-              <a:t> 0 </a:t>
-            </a:r>
-            <a:r>
-              <a:rPr lang="en-US" altLang="en-US" sz="2000" dirty="0"/>
-              <a:t>0 0 </a:t>
+              <a:t>		         3 0 3           0 0 0 </a:t>
             </a:r>
           </a:p>
           <a:p>
@@ -25258,23 +24824,15 @@
             </a:pPr>
             <a:r>
               <a:rPr lang="en-US" altLang="en-US" sz="2000" dirty="0"/>
-              <a:t>	       </a:t>
-            </a:r>
-            <a:r>
-              <a:rPr lang="en-US" altLang="en-US" sz="2000" dirty="0" smtClean="0"/>
-              <a:t>  </a:t>
-            </a:r>
-            <a:r>
-              <a:rPr lang="en-US" altLang="en-US" sz="2000" i="1" dirty="0" smtClean="0"/>
+              <a:t>	         </a:t>
+            </a:r>
+            <a:r>
+              <a:rPr lang="en-US" altLang="en-US" sz="2000" i="1" dirty="0"/>
               <a:t>P</a:t>
             </a:r>
             <a:r>
-              <a:rPr lang="en-US" altLang="en-US" sz="2000" baseline="-25000" dirty="0" smtClean="0"/>
-              <a:t>4</a:t>
-            </a:r>
-            <a:r>
               <a:rPr lang="en-US" altLang="en-US" sz="2000" baseline="-25000" dirty="0"/>
-              <a:t>	</a:t>
+              <a:t>4	</a:t>
             </a:r>
             <a:r>
               <a:rPr lang="en-US" altLang="en-US" sz="2000" dirty="0"/>
@@ -25664,12 +25222,8 @@
               </a:tabLst>
             </a:pPr>
             <a:r>
-              <a:rPr lang="en-US" altLang="en-US" sz="2000" dirty="0" smtClean="0"/>
-              <a:t>State </a:t>
-            </a:r>
-            <a:r>
               <a:rPr lang="en-US" altLang="en-US" sz="2000" dirty="0"/>
-              <a:t>of system?</a:t>
+              <a:t>State of system?</a:t>
             </a:r>
           </a:p>
           <a:p>
@@ -25693,15 +25247,7 @@
             </a:r>
             <a:r>
               <a:rPr lang="en-US" altLang="en-US" sz="2000" dirty="0"/>
-              <a:t>, but insufficient resources to fulfill other </a:t>
-            </a:r>
-            <a:r>
-              <a:rPr lang="en-US" altLang="en-US" sz="2000" dirty="0" smtClean="0"/>
-              <a:t>processes’ </a:t>
-            </a:r>
-            <a:r>
-              <a:rPr lang="en-US" altLang="en-US" sz="2000" dirty="0"/>
-              <a:t>requests</a:t>
+              <a:t>, but insufficient resources to fulfill other processes’ requests</a:t>
             </a:r>
           </a:p>
           <a:p>
@@ -25931,13 +25477,8 @@
             </a:r>
             <a:r>
               <a:rPr lang="en-US" altLang="en-US" sz="2400" dirty="0"/>
-              <a:t> </a:t>
-            </a:r>
-            <a:r>
-              <a:rPr lang="en-US" altLang="en-US" sz="2400" dirty="0" smtClean="0"/>
-              <a:t>instances</a:t>
-            </a:r>
-            <a:endParaRPr lang="en-US" altLang="en-US" sz="2400" dirty="0"/>
+              <a:t> instances</a:t>
+            </a:r>
           </a:p>
           <a:p>
             <a:r>
@@ -26102,11 +25643,7 @@
             </a:r>
             <a:r>
               <a:rPr lang="en-US" altLang="ja-JP" sz="2400" dirty="0"/>
-              <a:t> the </a:t>
-            </a:r>
-            <a:r>
-              <a:rPr lang="en-US" altLang="ja-JP" sz="2400" dirty="0" smtClean="0"/>
-              <a:t>deadlock</a:t>
+              <a:t> the deadlock</a:t>
             </a:r>
             <a:endParaRPr lang="en-US" altLang="en-US" sz="2400" dirty="0"/>
           </a:p>
@@ -26199,28 +25736,14 @@
           <a:p>
             <a:r>
               <a:rPr lang="en-US" altLang="en-US" sz="2400" dirty="0"/>
-              <a:t>Abort all deadlocked </a:t>
-            </a:r>
-            <a:r>
-              <a:rPr lang="en-US" altLang="en-US" sz="2400" dirty="0" smtClean="0"/>
-              <a:t>processes</a:t>
-            </a:r>
-            <a:endParaRPr lang="en-US" altLang="en-US" sz="2400" dirty="0"/>
-          </a:p>
-          <a:p>
-            <a:r>
-              <a:rPr lang="en-US" altLang="en-US" sz="2400" dirty="0" smtClean="0"/>
-              <a:t>Abort </a:t>
-            </a:r>
+              <a:t>Abort all deadlocked processes</a:t>
+            </a:r>
+          </a:p>
+          <a:p>
             <a:r>
               <a:rPr lang="en-US" altLang="en-US" sz="2400" dirty="0"/>
-              <a:t>one process at a time until the deadlock cycle is </a:t>
-            </a:r>
-            <a:r>
-              <a:rPr lang="en-US" altLang="en-US" sz="2400" dirty="0" smtClean="0"/>
-              <a:t>eliminated</a:t>
-            </a:r>
-            <a:endParaRPr lang="en-US" altLang="en-US" sz="2400" dirty="0"/>
+              <a:t>Abort one process at a time until the deadlock cycle is eliminated</a:t>
+            </a:r>
           </a:p>
           <a:p>
             <a:r>
@@ -26409,23 +25932,7 @@
             </a:r>
             <a:r>
               <a:rPr lang="en-US" altLang="en-US" sz="2400" dirty="0"/>
-              <a:t> –  same process may always be picked as victim, </a:t>
-            </a:r>
-            <a:r>
-              <a:rPr lang="en-US" altLang="en-US" sz="2400" dirty="0" smtClean="0"/>
-              <a:t>so we should include </a:t>
-            </a:r>
-            <a:r>
-              <a:rPr lang="en-US" altLang="en-US" sz="2400" dirty="0"/>
-              <a:t>number of </a:t>
-            </a:r>
-            <a:r>
-              <a:rPr lang="en-US" altLang="en-US" sz="2400" dirty="0" smtClean="0"/>
-              <a:t>rollbacks </a:t>
-            </a:r>
-            <a:r>
-              <a:rPr lang="en-US" altLang="en-US" sz="2400" dirty="0"/>
-              <a:t>in cost factor</a:t>
+              <a:t> –  same process may always be picked as victim, so we should include number of rollbacks in cost factor</a:t>
             </a:r>
           </a:p>
         </p:txBody>
@@ -26768,7 +26275,7 @@
         <p:spPr>
           <a:xfrm>
             <a:off x="1193281" y="1685190"/>
-            <a:ext cx="6757437" cy="4668837"/>
+            <a:ext cx="7440543" cy="4668837"/>
           </a:xfrm>
         </p:spPr>
         <p:txBody>
@@ -26790,7 +26297,7 @@
             </a:r>
             <a:r>
               <a:rPr lang="en-US" altLang="en-US" sz="2000" dirty="0"/>
-              <a:t>  only one process at a time can use a resource</a:t>
+              <a:t> only one process at a time can use a resource</a:t>
             </a:r>
             <a:endParaRPr lang="en-US" altLang="en-US" sz="900" dirty="0"/>
           </a:p>
@@ -26810,7 +26317,7 @@
             </a:r>
             <a:r>
               <a:rPr lang="en-US" altLang="en-US" sz="2000" dirty="0"/>
-              <a:t>  a process holding at least one resource is waiting to acquire additional resources held by other processes</a:t>
+              <a:t> a process holding at least one resource is waiting to acquire additional resources held by other processes</a:t>
             </a:r>
             <a:endParaRPr lang="en-US" altLang="en-US" sz="900" dirty="0"/>
           </a:p>
@@ -26830,7 +26337,7 @@
             </a:r>
             <a:r>
               <a:rPr lang="en-US" altLang="en-US" sz="2000" dirty="0"/>
-              <a:t>  a resource can be released </a:t>
+              <a:t> a resource can be released </a:t>
             </a:r>
             <a:r>
               <a:rPr lang="en-US" altLang="en-US" sz="2000" dirty="0">
@@ -26862,7 +26369,7 @@
             </a:r>
             <a:r>
               <a:rPr lang="en-US" altLang="en-US" sz="2000" dirty="0"/>
-              <a:t>  there exists a set {</a:t>
+              <a:t> there exists a set {</a:t>
             </a:r>
             <a:r>
               <a:rPr lang="en-US" altLang="en-US" sz="2000" i="1" dirty="0"/>
@@ -26898,21 +26405,17 @@
             </a:r>
             <a:r>
               <a:rPr lang="en-US" altLang="en-US" sz="2000" dirty="0"/>
-              <a:t>} of waiting processes such </a:t>
-            </a:r>
-            <a:r>
-              <a:rPr lang="en-US" altLang="en-US" sz="2000" dirty="0" smtClean="0"/>
-              <a:t>that: </a:t>
+              <a:t>} of waiting processes such that: </a:t>
             </a:r>
           </a:p>
           <a:p>
             <a:pPr lvl="1"/>
             <a:r>
-              <a:rPr lang="en-US" altLang="en-US" sz="2000" i="1" dirty="0" smtClean="0"/>
+              <a:rPr lang="en-US" altLang="en-US" sz="2000" i="1" dirty="0"/>
               <a:t>P</a:t>
             </a:r>
             <a:r>
-              <a:rPr lang="en-US" altLang="en-US" sz="2000" baseline="-25000" dirty="0" smtClean="0"/>
+              <a:rPr lang="en-US" altLang="en-US" sz="2000" baseline="-25000" dirty="0"/>
               <a:t>0 </a:t>
             </a:r>
             <a:r>
@@ -26920,35 +26423,27 @@
               <a:t>is waiting for a resource that is held by </a:t>
             </a:r>
             <a:r>
-              <a:rPr lang="en-US" altLang="en-US" sz="2000" i="1" dirty="0" smtClean="0"/>
+              <a:rPr lang="en-US" altLang="en-US" sz="2000" i="1" dirty="0"/>
               <a:t>P</a:t>
             </a:r>
             <a:r>
-              <a:rPr lang="en-US" altLang="en-US" sz="2000" baseline="-25000" dirty="0" smtClean="0"/>
+              <a:rPr lang="en-US" altLang="en-US" sz="2000" baseline="-25000" dirty="0"/>
               <a:t>1</a:t>
-            </a:r>
-            <a:r>
-              <a:rPr lang="en-US" altLang="en-US" sz="2000" dirty="0"/>
-              <a:t/>
             </a:r>
             <a:br>
               <a:rPr lang="en-US" altLang="en-US" sz="2000" dirty="0"/>
             </a:br>
             <a:r>
-              <a:rPr lang="en-US" altLang="en-US" sz="2000" i="1" dirty="0" err="1" smtClean="0"/>
+              <a:rPr lang="en-US" altLang="en-US" sz="2000" i="1" dirty="0" err="1"/>
               <a:t>P</a:t>
             </a:r>
             <a:r>
-              <a:rPr lang="en-US" altLang="en-US" sz="2000" baseline="-25000" dirty="0" err="1" smtClean="0"/>
+              <a:rPr lang="en-US" altLang="en-US" sz="2000" baseline="-25000" dirty="0" err="1"/>
               <a:t>1</a:t>
             </a:r>
             <a:r>
-              <a:rPr lang="en-US" altLang="en-US" sz="2000" dirty="0" smtClean="0"/>
-              <a:t> </a:t>
-            </a:r>
-            <a:r>
               <a:rPr lang="en-US" altLang="en-US" sz="2000" dirty="0"/>
-              <a:t>is waiting for a resource that is held by </a:t>
+              <a:t> is waiting for a resource that is held by </a:t>
             </a:r>
             <a:r>
               <a:rPr lang="en-US" altLang="en-US" sz="2000" i="1" dirty="0"/>
@@ -26962,6 +26457,9 @@
               <a:rPr lang="en-US" altLang="en-US" sz="2000" dirty="0"/>
               <a:t>, …, </a:t>
             </a:r>
+            <a:br>
+              <a:rPr lang="en-US" altLang="en-US" sz="2000" dirty="0"/>
+            </a:br>
             <a:r>
               <a:rPr lang="en-US" altLang="en-US" sz="2000" i="1" dirty="0" err="1"/>
               <a:t>P</a:t>
@@ -26988,19 +26486,11 @@
             </a:r>
             <a:r>
               <a:rPr lang="en-US" altLang="en-US" sz="2000" dirty="0"/>
-              <a:t>, </a:t>
-            </a:r>
-            <a:r>
-              <a:rPr lang="en-US" altLang="en-US" sz="2000" dirty="0" smtClean="0"/>
-              <a:t/>
+              <a:t>, and </a:t>
             </a:r>
             <a:br>
-              <a:rPr lang="en-US" altLang="en-US" sz="2000" dirty="0" smtClean="0"/>
+              <a:rPr lang="en-US" altLang="en-US" sz="2000" dirty="0"/>
             </a:br>
-            <a:r>
-              <a:rPr lang="en-US" altLang="en-US" sz="2000" dirty="0" smtClean="0"/>
-              <a:t>and </a:t>
-            </a:r>
             <a:r>
               <a:rPr lang="en-US" altLang="en-US" sz="2000" i="1" dirty="0" err="1"/>
               <a:t>P</a:t>
@@ -27014,11 +26504,11 @@
               <a:t> is waiting for a resource that is held by </a:t>
             </a:r>
             <a:r>
-              <a:rPr lang="en-US" altLang="en-US" sz="2000" i="1" dirty="0" smtClean="0"/>
+              <a:rPr lang="en-US" altLang="en-US" sz="2000" i="1" dirty="0"/>
               <a:t>P</a:t>
             </a:r>
             <a:r>
-              <a:rPr lang="en-US" altLang="en-US" sz="2000" baseline="-25000" dirty="0" smtClean="0"/>
+              <a:rPr lang="en-US" altLang="en-US" sz="2000" baseline="-25000" dirty="0"/>
               <a:t>0</a:t>
             </a:r>
             <a:endParaRPr lang="en-US" altLang="en-US" sz="2000" dirty="0"/>
@@ -27261,11 +26751,7 @@
             </a:pPr>
             <a:r>
               <a:rPr kumimoji="0" lang="en-US" altLang="en-US" sz="2000" dirty="0"/>
-              <a:t>Deadlock can arise if four conditions hold </a:t>
-            </a:r>
-            <a:r>
-              <a:rPr kumimoji="0" lang="en-US" altLang="en-US" sz="2000" dirty="0" smtClean="0"/>
-              <a:t>simultaneously</a:t>
+              <a:t>Deadlock can arise if four conditions hold simultaneously</a:t>
             </a:r>
             <a:endParaRPr kumimoji="0" lang="en-US" altLang="en-US" dirty="0"/>
           </a:p>
@@ -27807,7 +27293,7 @@
               <a:t> and a set of edges </a:t>
             </a:r>
             <a:r>
-              <a:rPr kumimoji="0" lang="en-US" altLang="en-US" sz="2400" i="1" dirty="0" smtClean="0"/>
+              <a:rPr kumimoji="0" lang="en-US" altLang="en-US" sz="2400" i="1" dirty="0"/>
               <a:t>E</a:t>
             </a:r>
             <a:endParaRPr kumimoji="0" lang="en-US" altLang="en-US" sz="2400" dirty="0"/>
@@ -27901,19 +27387,15 @@
           <a:lstStyle/>
           <a:p>
             <a:r>
-              <a:rPr lang="en-US" altLang="en-US" sz="2400" dirty="0" smtClean="0"/>
+              <a:rPr lang="en-US" altLang="en-US" sz="2400" dirty="0"/>
               <a:t>Resources</a:t>
             </a:r>
           </a:p>
           <a:p>
             <a:pPr lvl="1"/>
             <a:r>
-              <a:rPr lang="en-US" altLang="en-US" sz="2400" dirty="0" smtClean="0"/>
-              <a:t>One </a:t>
-            </a:r>
-            <a:r>
               <a:rPr lang="en-US" altLang="en-US" sz="2400" dirty="0"/>
-              <a:t>instance of R1</a:t>
+              <a:t>One instance of R1</a:t>
             </a:r>
           </a:p>
           <a:p>
@@ -27934,15 +27416,7 @@
             <a:pPr lvl="1"/>
             <a:r>
               <a:rPr lang="en-US" altLang="en-US" sz="2400" dirty="0"/>
-              <a:t>Three </a:t>
-            </a:r>
-            <a:r>
-              <a:rPr lang="en-US" altLang="en-US" sz="2400" dirty="0" smtClean="0"/>
-              <a:t>instances </a:t>
-            </a:r>
-            <a:r>
-              <a:rPr lang="en-US" altLang="en-US" sz="2400" dirty="0"/>
-              <a:t>of R4</a:t>
+              <a:t>Three instances of R4</a:t>
             </a:r>
           </a:p>
           <a:p>
@@ -27960,15 +27434,7 @@
           <a:p>
             <a:r>
               <a:rPr lang="en-US" altLang="en-US" sz="2400" dirty="0"/>
-              <a:t>T3 </a:t>
-            </a:r>
-            <a:r>
-              <a:rPr lang="en-US" altLang="en-US" sz="2400" dirty="0" smtClean="0"/>
-              <a:t>holds </a:t>
-            </a:r>
-            <a:r>
-              <a:rPr lang="en-US" altLang="en-US" sz="2400" dirty="0"/>
-              <a:t>one instance of R3</a:t>
+              <a:t>T3 holds one instance of R3</a:t>
             </a:r>
           </a:p>
         </p:txBody>
